--- a/專題的成長史/傢備封環2013 12 10更新.pptx
+++ b/專題的成長史/傢備封環2013 12 10更新.pptx
@@ -5,10 +5,10 @@
     <p:sldMasterId id="2147483648" r:id="rId2"/>
   </p:sldMasterIdLst>
   <p:notesMasterIdLst>
-    <p:notesMasterId r:id="rId11"/>
+    <p:notesMasterId r:id="rId12"/>
   </p:notesMasterIdLst>
   <p:handoutMasterIdLst>
-    <p:handoutMasterId r:id="rId12"/>
+    <p:handoutMasterId r:id="rId13"/>
   </p:handoutMasterIdLst>
   <p:sldIdLst>
     <p:sldId id="256" r:id="rId3"/>
@@ -19,6 +19,7 @@
     <p:sldId id="278" r:id="rId8"/>
     <p:sldId id="277" r:id="rId9"/>
     <p:sldId id="279" r:id="rId10"/>
+    <p:sldId id="280" r:id="rId11"/>
   </p:sldIdLst>
   <p:sldSz cx="12188825" cy="6858000"/>
   <p:notesSz cx="6858000" cy="9144000"/>
@@ -4624,8 +4625,8 @@
         </p:nvSpPr>
         <p:spPr>
           <a:xfrm>
-            <a:off x="477788" y="908720"/>
-            <a:ext cx="8839201" cy="2336304"/>
+            <a:off x="477788" y="764704"/>
+            <a:ext cx="8839201" cy="1368152"/>
           </a:xfrm>
         </p:spPr>
         <p:txBody>
@@ -4660,7 +4661,7 @@
         </p:nvSpPr>
         <p:spPr>
           <a:xfrm>
-            <a:off x="621804" y="3247675"/>
+            <a:off x="765820" y="2141612"/>
             <a:ext cx="7162799" cy="990600"/>
           </a:xfrm>
         </p:spPr>
@@ -4690,7 +4691,7 @@
         </p:nvSpPr>
         <p:spPr>
           <a:xfrm>
-            <a:off x="5518348" y="4005064"/>
+            <a:off x="837828" y="3140968"/>
             <a:ext cx="5544616" cy="2419124"/>
           </a:xfrm>
           <a:prstGeom prst="rect">
@@ -4781,13 +4782,13 @@
           <p:nvPr>
             <p:extLst>
               <p:ext uri="{D42A27DB-BD31-4B8C-83A1-F6EECF244321}">
-                <p14:modId xmlns:p14="http://schemas.microsoft.com/office/powerpoint/2010/main" val="1898524249"/>
+                <p14:modId xmlns:p14="http://schemas.microsoft.com/office/powerpoint/2010/main" val="3575176676"/>
               </p:ext>
             </p:extLst>
           </p:nvPr>
         </p:nvGraphicFramePr>
         <p:xfrm>
-          <a:off x="6616689" y="4437112"/>
+          <a:off x="1413892" y="3717032"/>
           <a:ext cx="5400600" cy="2194560"/>
         </p:xfrm>
         <a:graphic>
@@ -5629,6 +5630,74 @@
           </a:graphicData>
         </a:graphic>
       </p:graphicFrame>
+      <p:sp>
+        <p:nvSpPr>
+          <p:cNvPr id="6" name="文字方塊 5"/>
+          <p:cNvSpPr txBox="1"/>
+          <p:nvPr/>
+        </p:nvSpPr>
+        <p:spPr>
+          <a:xfrm>
+            <a:off x="7546325" y="5960665"/>
+            <a:ext cx="4608512" cy="923330"/>
+          </a:xfrm>
+          <a:prstGeom prst="rect">
+            <a:avLst/>
+          </a:prstGeom>
+          <a:noFill/>
+        </p:spPr>
+        <p:txBody>
+          <a:bodyPr wrap="square" rtlCol="0">
+            <a:spAutoFit/>
+          </a:bodyPr>
+          <a:lstStyle/>
+          <a:p>
+            <a:pPr>
+              <a:lnSpc>
+                <a:spcPct val="90000"/>
+              </a:lnSpc>
+            </a:pPr>
+            <a:r>
+              <a:rPr lang="en-US" altLang="zh-TW" sz="2000" dirty="0" err="1" smtClean="0"/>
+              <a:t>GitHub</a:t>
+            </a:r>
+            <a:r>
+              <a:rPr lang="en-US" altLang="zh-TW" sz="2000" dirty="0" smtClean="0"/>
+              <a:t>:</a:t>
+            </a:r>
+          </a:p>
+          <a:p>
+            <a:pPr>
+              <a:lnSpc>
+                <a:spcPct val="90000"/>
+              </a:lnSpc>
+            </a:pPr>
+            <a:r>
+              <a:rPr lang="en-US" altLang="zh-TW" sz="2000" dirty="0"/>
+              <a:t> </a:t>
+            </a:r>
+            <a:r>
+              <a:rPr lang="en-US" altLang="zh-TW" sz="2000" dirty="0" smtClean="0"/>
+              <a:t>  </a:t>
+            </a:r>
+            <a:r>
+              <a:rPr lang="en-US" altLang="zh-TW" sz="1200" dirty="0">
+                <a:hlinkClick r:id="rId2"/>
+              </a:rPr>
+              <a:t>https://github.com/Heyyeyaaeyaaaeyaeyaa/baikaeshida</a:t>
+            </a:r>
+            <a:endParaRPr lang="zh-TW" altLang="en-US" sz="1200" dirty="0"/>
+          </a:p>
+          <a:p>
+            <a:pPr>
+              <a:lnSpc>
+                <a:spcPct val="90000"/>
+              </a:lnSpc>
+            </a:pPr>
+            <a:endParaRPr lang="en-US" altLang="zh-TW" sz="2000" dirty="0" smtClean="0"/>
+          </a:p>
+        </p:txBody>
+      </p:sp>
     </p:spTree>
     <p:extLst>
       <p:ext uri="{BB962C8B-B14F-4D97-AF65-F5344CB8AC3E}">
@@ -6054,11 +6123,7 @@
             </a:r>
             <a:r>
               <a:rPr lang="zh-TW" altLang="en-US" sz="2000" dirty="0" smtClean="0"/>
-              <a:t>模型</a:t>
-            </a:r>
-            <a:r>
-              <a:rPr lang="zh-TW" altLang="en-US" sz="2000" dirty="0" smtClean="0"/>
-              <a:t>讀取</a:t>
+              <a:t>模型讀取</a:t>
             </a:r>
             <a:endParaRPr lang="en-US" altLang="zh-TW" sz="2000" dirty="0" smtClean="0"/>
           </a:p>
@@ -6170,7 +6235,6 @@
               <a:rPr lang="zh-TW" altLang="en-US" sz="2000" dirty="0"/>
               <a:t>題</a:t>
             </a:r>
-            <a:endParaRPr lang="zh-TW" altLang="en-US" sz="2000" dirty="0"/>
           </a:p>
         </p:txBody>
       </p:sp>
@@ -6465,11 +6529,7 @@
           <a:p>
             <a:r>
               <a:rPr lang="zh-TW" altLang="en-US" dirty="0" smtClean="0"/>
-              <a:t>甘特</a:t>
-            </a:r>
-            <a:r>
-              <a:rPr lang="zh-TW" altLang="en-US" dirty="0" smtClean="0"/>
-              <a:t>圖</a:t>
+              <a:t>甘特圖</a:t>
             </a:r>
             <a:endParaRPr lang="en-US" altLang="zh-TW" dirty="0" smtClean="0"/>
           </a:p>
@@ -6724,11 +6784,7 @@
           <a:p>
             <a:r>
               <a:rPr lang="zh-TW" altLang="en-US" dirty="0" smtClean="0"/>
-              <a:t>團隊成員們</a:t>
-            </a:r>
-            <a:r>
-              <a:rPr lang="zh-TW" altLang="en-US" dirty="0" smtClean="0"/>
-              <a:t>的感言</a:t>
+              <a:t>團隊成員們的感言</a:t>
             </a:r>
             <a:endParaRPr lang="zh-TW" altLang="en-US" dirty="0"/>
           </a:p>
@@ -6793,6 +6849,167 @@
       </p:transition>
     </mc:Choice>
     <mc:Fallback xmlns="">
+      <p:transition spd="med">
+        <p:fade/>
+      </p:transition>
+    </mc:Fallback>
+  </mc:AlternateContent>
+</p:sld>
+</file>
+
+<file path=ppt/slides/slide9.xml><?xml version="1.0" encoding="utf-8"?>
+<p:sld xmlns:a="http://schemas.openxmlformats.org/drawingml/2006/main" xmlns:r="http://schemas.openxmlformats.org/officeDocument/2006/relationships" xmlns:p="http://schemas.openxmlformats.org/presentationml/2006/main">
+  <p:cSld>
+    <p:spTree>
+      <p:nvGrpSpPr>
+        <p:cNvPr id="1" name=""/>
+        <p:cNvGrpSpPr/>
+        <p:nvPr/>
+      </p:nvGrpSpPr>
+      <p:grpSpPr>
+        <a:xfrm>
+          <a:off x="0" y="0"/>
+          <a:ext cx="0" cy="0"/>
+          <a:chOff x="0" y="0"/>
+          <a:chExt cx="0" cy="0"/>
+        </a:xfrm>
+      </p:grpSpPr>
+      <p:sp>
+        <p:nvSpPr>
+          <p:cNvPr id="2" name="標題 1"/>
+          <p:cNvSpPr>
+            <a:spLocks noGrp="1"/>
+          </p:cNvSpPr>
+          <p:nvPr>
+            <p:ph type="title"/>
+          </p:nvPr>
+        </p:nvSpPr>
+        <p:spPr/>
+        <p:txBody>
+          <a:bodyPr/>
+          <a:lstStyle/>
+          <a:p>
+            <a:r>
+              <a:rPr lang="zh-TW" altLang="en-US" dirty="0" smtClean="0"/>
+              <a:t>專題的成長史</a:t>
+            </a:r>
+            <a:endParaRPr lang="zh-TW" altLang="en-US" dirty="0"/>
+          </a:p>
+        </p:txBody>
+      </p:sp>
+      <p:sp>
+        <p:nvSpPr>
+          <p:cNvPr id="3" name="內容版面配置區 2"/>
+          <p:cNvSpPr>
+            <a:spLocks noGrp="1"/>
+          </p:cNvSpPr>
+          <p:nvPr>
+            <p:ph sz="half" idx="1"/>
+          </p:nvPr>
+        </p:nvSpPr>
+        <p:spPr>
+          <a:xfrm>
+            <a:off x="1293813" y="1828800"/>
+            <a:ext cx="9841159" cy="4343400"/>
+          </a:xfrm>
+        </p:spPr>
+        <p:txBody>
+          <a:bodyPr/>
+          <a:lstStyle/>
+          <a:p>
+            <a:r>
+              <a:rPr lang="zh-TW" altLang="en-US" dirty="0" smtClean="0"/>
+              <a:t>會議記錄</a:t>
+            </a:r>
+            <a:r>
+              <a:rPr lang="en-US" altLang="zh-TW" dirty="0" smtClean="0"/>
+              <a:t>:</a:t>
+            </a:r>
+          </a:p>
+          <a:p>
+            <a:pPr marL="0" indent="0">
+              <a:buNone/>
+            </a:pPr>
+            <a:r>
+              <a:rPr lang="zh-TW" altLang="en-US" sz="2000" dirty="0" smtClean="0"/>
+              <a:t>       </a:t>
+            </a:r>
+            <a:r>
+              <a:rPr lang="en-US" altLang="zh-TW" sz="2000" dirty="0">
+                <a:hlinkClick r:id="rId2"/>
+              </a:rPr>
+              <a:t>https://github.com/Heyyeyaaeyaaaeyaeyaa/baikaeshida/wiki/_</a:t>
+            </a:r>
+            <a:r>
+              <a:rPr lang="en-US" altLang="zh-TW" sz="2000" dirty="0" smtClean="0">
+                <a:hlinkClick r:id="rId2"/>
+              </a:rPr>
+              <a:t>pages</a:t>
+            </a:r>
+            <a:r>
+              <a:rPr lang="zh-TW" altLang="en-US" sz="2000" dirty="0" smtClean="0"/>
+              <a:t> </a:t>
+            </a:r>
+            <a:endParaRPr lang="en-US" altLang="zh-TW" sz="2000" dirty="0" smtClean="0"/>
+          </a:p>
+          <a:p>
+            <a:r>
+              <a:rPr lang="zh-TW" altLang="en-US" dirty="0" smtClean="0"/>
+              <a:t>製作過程</a:t>
+            </a:r>
+            <a:r>
+              <a:rPr lang="en-US" altLang="zh-TW" dirty="0" smtClean="0"/>
+              <a:t>:</a:t>
+            </a:r>
+          </a:p>
+          <a:p>
+            <a:pPr marL="0" indent="0">
+              <a:buNone/>
+            </a:pPr>
+            <a:r>
+              <a:rPr lang="zh-TW" altLang="en-US" dirty="0"/>
+              <a:t> </a:t>
+            </a:r>
+            <a:r>
+              <a:rPr lang="zh-TW" altLang="en-US" dirty="0" smtClean="0"/>
+              <a:t>     </a:t>
+            </a:r>
+            <a:r>
+              <a:rPr lang="en-US" altLang="zh-TW" sz="2000" dirty="0">
+                <a:hlinkClick r:id="rId3"/>
+              </a:rPr>
+              <a:t>https://github.com/Heyyeyaaeyaaaeyaeyaa/baikaeshida/commits/master</a:t>
+            </a:r>
+            <a:endParaRPr lang="en-US" altLang="zh-TW" sz="2000" dirty="0" smtClean="0"/>
+          </a:p>
+          <a:p>
+            <a:pPr marL="0" indent="0">
+              <a:buNone/>
+            </a:pPr>
+            <a:endParaRPr lang="en-US" altLang="zh-TW" dirty="0"/>
+          </a:p>
+          <a:p>
+            <a:endParaRPr lang="zh-TW" altLang="en-US" dirty="0"/>
+          </a:p>
+        </p:txBody>
+      </p:sp>
+    </p:spTree>
+    <p:extLst>
+      <p:ext uri="{BB962C8B-B14F-4D97-AF65-F5344CB8AC3E}">
+        <p14:creationId xmlns:p14="http://schemas.microsoft.com/office/powerpoint/2010/main" val="1348306339"/>
+      </p:ext>
+    </p:extLst>
+  </p:cSld>
+  <p:clrMapOvr>
+    <a:masterClrMapping/>
+  </p:clrMapOvr>
+  <mc:AlternateContent xmlns:mc="http://schemas.openxmlformats.org/markup-compatibility/2006">
+    <mc:Choice xmlns:p14="http://schemas.microsoft.com/office/powerpoint/2010/main" Requires="p14">
+      <p:transition spd="med" p14:dur="700">
+        <p:fade/>
+      </p:transition>
+    </mc:Choice>
+    <mc:Fallback>
       <p:transition spd="med">
         <p:fade/>
       </p:transition>

--- a/專題的成長史/傢備封環2013 12 10更新.pptx
+++ b/專題的成長史/傢備封環2013 12 10更新.pptx
@@ -6914,7 +6914,9 @@
           </a:xfrm>
         </p:spPr>
         <p:txBody>
-          <a:bodyPr/>
+          <a:bodyPr>
+            <a:normAutofit/>
+          </a:bodyPr>
           <a:lstStyle/>
           <a:p>
             <a:r>
@@ -6975,11 +6977,76 @@
               <a:t>     </a:t>
             </a:r>
             <a:r>
+              <a:rPr lang="en-US" altLang="zh-TW" sz="2000" dirty="0" smtClean="0">
+                <a:hlinkClick r:id="rId3"/>
+              </a:rPr>
+              <a:t>https</a:t>
+            </a:r>
+            <a:r>
               <a:rPr lang="en-US" altLang="zh-TW" sz="2000" dirty="0">
                 <a:hlinkClick r:id="rId3"/>
               </a:rPr>
-              <a:t>https://github.com/Heyyeyaaeyaaaeyaeyaa/baikaeshida/commits/master</a:t>
-            </a:r>
+              <a:t>://github.com/Heyyeyaaeyaaaeyaeyaa/baikaeshida/commits/master</a:t>
+            </a:r>
+            <a:endParaRPr lang="en-US" altLang="zh-TW" sz="2000" dirty="0"/>
+          </a:p>
+          <a:p>
+            <a:r>
+              <a:rPr lang="zh-TW" altLang="en-US" dirty="0" smtClean="0"/>
+              <a:t>遇過的問題</a:t>
+            </a:r>
+            <a:r>
+              <a:rPr lang="en-US" altLang="zh-TW" dirty="0" smtClean="0"/>
+              <a:t>:</a:t>
+            </a:r>
+          </a:p>
+          <a:p>
+            <a:pPr marL="0" indent="0">
+              <a:buNone/>
+            </a:pPr>
+            <a:r>
+              <a:rPr lang="zh-TW" altLang="en-US" dirty="0"/>
+              <a:t> </a:t>
+            </a:r>
+            <a:r>
+              <a:rPr lang="zh-TW" altLang="en-US" dirty="0" smtClean="0"/>
+              <a:t>     </a:t>
+            </a:r>
+            <a:r>
+              <a:rPr lang="en-US" altLang="zh-TW" sz="2000" smtClean="0">
+                <a:hlinkClick r:id="rId4"/>
+              </a:rPr>
+              <a:t>https</a:t>
+            </a:r>
+            <a:r>
+              <a:rPr lang="en-US" altLang="zh-TW" sz="2000" dirty="0">
+                <a:hlinkClick r:id="rId4"/>
+              </a:rPr>
+              <a:t>://github.com/Heyyeyaaeyaaaeyaeyaa/baikaeshida/issues?state=open</a:t>
+            </a:r>
+            <a:endParaRPr lang="en-US" altLang="zh-TW" sz="2000" dirty="0" smtClean="0"/>
+          </a:p>
+          <a:p>
+            <a:endParaRPr lang="en-US" altLang="zh-TW" dirty="0" smtClean="0"/>
+          </a:p>
+          <a:p>
+            <a:pPr marL="0" indent="0">
+              <a:buNone/>
+            </a:pPr>
+            <a:r>
+              <a:rPr lang="zh-TW" altLang="en-US" dirty="0"/>
+              <a:t> </a:t>
+            </a:r>
+            <a:r>
+              <a:rPr lang="zh-TW" altLang="en-US" dirty="0" smtClean="0"/>
+              <a:t>     </a:t>
+            </a:r>
+            <a:endParaRPr lang="en-US" altLang="zh-TW" sz="2000" dirty="0" smtClean="0"/>
+          </a:p>
+          <a:p>
+            <a:pPr marL="0" indent="0">
+              <a:buNone/>
+            </a:pPr>
             <a:endParaRPr lang="en-US" altLang="zh-TW" sz="2000" dirty="0" smtClean="0"/>
           </a:p>
           <a:p>
@@ -7003,13 +7070,13 @@
   <p:clrMapOvr>
     <a:masterClrMapping/>
   </p:clrMapOvr>
-  <mc:AlternateContent xmlns:mc="http://schemas.openxmlformats.org/markup-compatibility/2006">
-    <mc:Choice xmlns:p14="http://schemas.microsoft.com/office/powerpoint/2010/main" Requires="p14">
+  <mc:AlternateContent xmlns:mc="http://schemas.openxmlformats.org/markup-compatibility/2006" xmlns:p14="http://schemas.microsoft.com/office/powerpoint/2010/main">
+    <mc:Choice Requires="p14">
       <p:transition spd="med" p14:dur="700">
         <p:fade/>
       </p:transition>
     </mc:Choice>
-    <mc:Fallback>
+    <mc:Fallback xmlns="">
       <p:transition spd="med">
         <p:fade/>
       </p:transition>
